--- a/doc/DJ-Team.pptx
+++ b/doc/DJ-Team.pptx
@@ -217,7 +217,7 @@
           <a:p>
             <a:fld id="{3D37EDBB-4C7E-458C-8081-732E81F2C989}" type="datetimeFigureOut">
               <a:rPr lang="zh-CN" altLang="en-US" smtClean="0"/>
-              <a:t>2020-11-24</a:t>
+              <a:t>2020-11-25</a:t>
             </a:fld>
             <a:endParaRPr lang="zh-CN" altLang="en-US"/>
           </a:p>
@@ -687,7 +687,7 @@
           <a:p>
             <a:fld id="{A640CAB6-B07E-4BA4-BC4B-DDB8D129D594}" type="datetimeFigureOut">
               <a:rPr lang="zh-CN" altLang="en-US" smtClean="0"/>
-              <a:t>2020-11-24</a:t>
+              <a:t>2020-11-25</a:t>
             </a:fld>
             <a:endParaRPr lang="zh-CN" altLang="en-US"/>
           </a:p>
@@ -862,7 +862,7 @@
           <a:p>
             <a:fld id="{A640CAB6-B07E-4BA4-BC4B-DDB8D129D594}" type="datetimeFigureOut">
               <a:rPr lang="zh-CN" altLang="en-US" smtClean="0"/>
-              <a:t>2020-11-24</a:t>
+              <a:t>2020-11-25</a:t>
             </a:fld>
             <a:endParaRPr lang="zh-CN" altLang="en-US"/>
           </a:p>
@@ -1047,7 +1047,7 @@
           <a:p>
             <a:fld id="{A640CAB6-B07E-4BA4-BC4B-DDB8D129D594}" type="datetimeFigureOut">
               <a:rPr lang="zh-CN" altLang="en-US" smtClean="0"/>
-              <a:t>2020-11-24</a:t>
+              <a:t>2020-11-25</a:t>
             </a:fld>
             <a:endParaRPr lang="zh-CN" altLang="en-US"/>
           </a:p>
@@ -1222,7 +1222,7 @@
           <a:p>
             <a:fld id="{A640CAB6-B07E-4BA4-BC4B-DDB8D129D594}" type="datetimeFigureOut">
               <a:rPr lang="zh-CN" altLang="en-US" smtClean="0"/>
-              <a:t>2020-11-24</a:t>
+              <a:t>2020-11-25</a:t>
             </a:fld>
             <a:endParaRPr lang="zh-CN" altLang="en-US"/>
           </a:p>
@@ -1474,7 +1474,7 @@
           <a:p>
             <a:fld id="{A640CAB6-B07E-4BA4-BC4B-DDB8D129D594}" type="datetimeFigureOut">
               <a:rPr lang="zh-CN" altLang="en-US" smtClean="0"/>
-              <a:t>2020-11-24</a:t>
+              <a:t>2020-11-25</a:t>
             </a:fld>
             <a:endParaRPr lang="zh-CN" altLang="en-US"/>
           </a:p>
@@ -1710,7 +1710,7 @@
           <a:p>
             <a:fld id="{A640CAB6-B07E-4BA4-BC4B-DDB8D129D594}" type="datetimeFigureOut">
               <a:rPr lang="zh-CN" altLang="en-US" smtClean="0"/>
-              <a:t>2020-11-24</a:t>
+              <a:t>2020-11-25</a:t>
             </a:fld>
             <a:endParaRPr lang="zh-CN" altLang="en-US"/>
           </a:p>
@@ -2081,7 +2081,7 @@
           <a:p>
             <a:fld id="{A640CAB6-B07E-4BA4-BC4B-DDB8D129D594}" type="datetimeFigureOut">
               <a:rPr lang="zh-CN" altLang="en-US" smtClean="0"/>
-              <a:t>2020-11-24</a:t>
+              <a:t>2020-11-25</a:t>
             </a:fld>
             <a:endParaRPr lang="zh-CN" altLang="en-US"/>
           </a:p>
@@ -2205,7 +2205,7 @@
           <a:p>
             <a:fld id="{A640CAB6-B07E-4BA4-BC4B-DDB8D129D594}" type="datetimeFigureOut">
               <a:rPr lang="zh-CN" altLang="en-US" smtClean="0"/>
-              <a:t>2020-11-24</a:t>
+              <a:t>2020-11-25</a:t>
             </a:fld>
             <a:endParaRPr lang="zh-CN" altLang="en-US"/>
           </a:p>
@@ -2307,7 +2307,7 @@
           <a:p>
             <a:fld id="{A640CAB6-B07E-4BA4-BC4B-DDB8D129D594}" type="datetimeFigureOut">
               <a:rPr lang="zh-CN" altLang="en-US" smtClean="0"/>
-              <a:t>2020-11-24</a:t>
+              <a:t>2020-11-25</a:t>
             </a:fld>
             <a:endParaRPr lang="zh-CN" altLang="en-US"/>
           </a:p>
@@ -2589,7 +2589,7 @@
           <a:p>
             <a:fld id="{A640CAB6-B07E-4BA4-BC4B-DDB8D129D594}" type="datetimeFigureOut">
               <a:rPr lang="zh-CN" altLang="en-US" smtClean="0"/>
-              <a:t>2020-11-24</a:t>
+              <a:t>2020-11-25</a:t>
             </a:fld>
             <a:endParaRPr lang="zh-CN" altLang="en-US"/>
           </a:p>
@@ -2848,7 +2848,7 @@
           <a:p>
             <a:fld id="{A640CAB6-B07E-4BA4-BC4B-DDB8D129D594}" type="datetimeFigureOut">
               <a:rPr lang="zh-CN" altLang="en-US" smtClean="0"/>
-              <a:t>2020-11-24</a:t>
+              <a:t>2020-11-25</a:t>
             </a:fld>
             <a:endParaRPr lang="zh-CN" altLang="en-US"/>
           </a:p>
@@ -3069,7 +3069,7 @@
           <a:p>
             <a:fld id="{A640CAB6-B07E-4BA4-BC4B-DDB8D129D594}" type="datetimeFigureOut">
               <a:rPr lang="zh-CN" altLang="en-US" smtClean="0"/>
-              <a:t>2020-11-24</a:t>
+              <a:t>2020-11-25</a:t>
             </a:fld>
             <a:endParaRPr lang="zh-CN" altLang="en-US"/>
           </a:p>
@@ -9356,9 +9356,9 @@
         <p:grpSpPr>
           <a:xfrm>
             <a:off x="6373090" y="2122857"/>
-            <a:ext cx="5509608" cy="1105279"/>
+            <a:ext cx="5509608" cy="1428445"/>
             <a:chOff x="586389" y="1463977"/>
-            <a:chExt cx="5509608" cy="1105279"/>
+            <a:chExt cx="5509608" cy="1428445"/>
           </a:xfrm>
         </p:grpSpPr>
         <p:grpSp>
@@ -9376,9 +9376,9 @@
           <p:grpSpPr>
             <a:xfrm>
               <a:off x="786947" y="1463977"/>
-              <a:ext cx="5309050" cy="1105279"/>
+              <a:ext cx="5309050" cy="1428445"/>
               <a:chOff x="6365465" y="1311666"/>
-              <a:chExt cx="5032375" cy="1105279"/>
+              <a:chExt cx="5032375" cy="1428445"/>
             </a:xfrm>
           </p:grpSpPr>
           <p:sp>
@@ -9447,7 +9447,7 @@
             <p:spPr>
               <a:xfrm>
                 <a:off x="6391363" y="1716369"/>
-                <a:ext cx="5006477" cy="700576"/>
+                <a:ext cx="5006477" cy="1023742"/>
               </a:xfrm>
               <a:prstGeom prst="rect">
                 <a:avLst/>
@@ -9502,8 +9502,19 @@
                     <a:latin typeface="微软雅黑" panose="020B0503020204020204" pitchFamily="34" charset="-122"/>
                     <a:ea typeface="微软雅黑" panose="020B0503020204020204" pitchFamily="34" charset="-122"/>
                   </a:rPr>
-                  <a:t>支持标签的集合运算</a:t>
+                  <a:t>支持标签的集合运算与自动补全</a:t>
                 </a:r>
+                <a:endParaRPr lang="en-US" altLang="zh-CN" sz="1400" dirty="0">
+                  <a:latin typeface="微软雅黑" panose="020B0503020204020204" pitchFamily="34" charset="-122"/>
+                  <a:ea typeface="微软雅黑" panose="020B0503020204020204" pitchFamily="34" charset="-122"/>
+                </a:endParaRPr>
+              </a:p>
+              <a:p>
+                <a:pPr algn="l">
+                  <a:lnSpc>
+                    <a:spcPct val="150000"/>
+                  </a:lnSpc>
+                </a:pPr>
                 <a:endParaRPr lang="en-US" altLang="zh-CN" sz="1400" dirty="0">
                   <a:latin typeface="微软雅黑" panose="020B0503020204020204" pitchFamily="34" charset="-122"/>
                   <a:ea typeface="微软雅黑" panose="020B0503020204020204" pitchFamily="34" charset="-122"/>
